--- a/lessons/A_Administrative_WhatisTM/Class1A_Intros.pptx
+++ b/lessons/A_Administrative_WhatisTM/Class1A_Intros.pptx
@@ -220,7 +220,7 @@
           <a:p>
             <a:fld id="{B0C0A60C-850A-4EA4-9C14-A8FE98B94505}" type="datetimeFigureOut">
               <a:rPr lang="en-US" smtClean="0"/>
-              <a:t>1/23/21</a:t>
+              <a:t>1/28/21</a:t>
             </a:fld>
             <a:endParaRPr lang="en-US"/>
           </a:p>
@@ -619,7 +619,7 @@
           <a:p>
             <a:fld id="{5738B90E-0779-4C36-915C-6F05FCD89456}" type="datetime1">
               <a:rPr lang="en-US" smtClean="0"/>
-              <a:t>1/23/21</a:t>
+              <a:t>1/28/21</a:t>
             </a:fld>
             <a:endParaRPr lang="en-US"/>
           </a:p>
@@ -799,7 +799,7 @@
           <a:p>
             <a:fld id="{7B9EA29D-D431-42FE-B7B6-AAE4454C77D3}" type="datetime1">
               <a:rPr lang="en-US" smtClean="0"/>
-              <a:t>1/23/21</a:t>
+              <a:t>1/28/21</a:t>
             </a:fld>
             <a:endParaRPr lang="en-US"/>
           </a:p>
@@ -1056,7 +1056,7 @@
           <a:p>
             <a:fld id="{690D8A1E-EA8F-46C1-B891-AE0C00D9C314}" type="datetime1">
               <a:rPr lang="en-US" smtClean="0"/>
-              <a:t>1/23/21</a:t>
+              <a:t>1/28/21</a:t>
             </a:fld>
             <a:endParaRPr lang="en-US"/>
           </a:p>
@@ -1347,7 +1347,7 @@
           <a:p>
             <a:fld id="{D753EFC8-4232-4598-94F6-94C0EBAFC469}" type="datetime1">
               <a:rPr lang="en-US" smtClean="0"/>
-              <a:t>1/23/21</a:t>
+              <a:t>1/28/21</a:t>
             </a:fld>
             <a:endParaRPr lang="en-US"/>
           </a:p>
@@ -1659,7 +1659,7 @@
           <a:p>
             <a:fld id="{F3161074-1C18-4AE7-957D-F18524378C85}" type="datetime1">
               <a:rPr lang="en-US" smtClean="0"/>
-              <a:t>1/23/21</a:t>
+              <a:t>1/28/21</a:t>
             </a:fld>
             <a:endParaRPr lang="en-US"/>
           </a:p>
@@ -1895,7 +1895,7 @@
           <a:p>
             <a:fld id="{69BE256C-8D9A-4404-B47D-41A1AE514425}" type="datetime1">
               <a:rPr lang="en-US" smtClean="0"/>
-              <a:t>1/23/21</a:t>
+              <a:t>1/28/21</a:t>
             </a:fld>
             <a:endParaRPr lang="en-US"/>
           </a:p>
@@ -2326,7 +2326,7 @@
           <a:p>
             <a:fld id="{66CB2154-9035-4012-8189-BAAB61C5A5EE}" type="datetime1">
               <a:rPr lang="en-US" smtClean="0"/>
-              <a:t>1/23/21</a:t>
+              <a:t>1/28/21</a:t>
             </a:fld>
             <a:endParaRPr lang="en-US"/>
           </a:p>
@@ -2497,7 +2497,7 @@
           <a:p>
             <a:fld id="{6700A58B-DD98-43D0-B791-721480A02982}" type="datetime1">
               <a:rPr lang="en-US" smtClean="0"/>
-              <a:t>1/23/21</a:t>
+              <a:t>1/28/21</a:t>
             </a:fld>
             <a:endParaRPr lang="en-US"/>
           </a:p>
@@ -2686,7 +2686,7 @@
           <a:p>
             <a:fld id="{7DB6E382-4F61-4E24-BE1A-377EC83D0E3A}" type="datetime1">
               <a:rPr lang="en-US" smtClean="0"/>
-              <a:t>1/23/21</a:t>
+              <a:t>1/28/21</a:t>
             </a:fld>
             <a:endParaRPr lang="en-US"/>
           </a:p>
@@ -2994,7 +2994,7 @@
           <a:p>
             <a:fld id="{4142EED6-FC16-45B9-B8C4-2BC5DBA88325}" type="datetime1">
               <a:rPr lang="en-US" smtClean="0"/>
-              <a:t>1/23/21</a:t>
+              <a:t>1/28/21</a:t>
             </a:fld>
             <a:endParaRPr lang="en-US"/>
           </a:p>
@@ -3309,7 +3309,7 @@
           <a:p>
             <a:fld id="{DF59512B-4F1D-43D7-8819-2F53FEF69650}" type="datetime1">
               <a:rPr lang="en-US" smtClean="0"/>
-              <a:t>1/23/21</a:t>
+              <a:t>1/28/21</a:t>
             </a:fld>
             <a:endParaRPr lang="en-US"/>
           </a:p>
@@ -3582,7 +3582,7 @@
           <a:p>
             <a:fld id="{08437B94-E2BF-44DC-ADC5-B05FC9934E9D}" type="datetime1">
               <a:rPr lang="en-US" smtClean="0"/>
-              <a:t>1/23/21</a:t>
+              <a:t>1/28/21</a:t>
             </a:fld>
             <a:endParaRPr lang="en-US"/>
           </a:p>
@@ -4066,7 +4066,7 @@
           <a:p>
             <a:fld id="{5738B90E-0779-4C36-915C-6F05FCD89456}" type="datetime1">
               <a:rPr lang="en-US" smtClean="0"/>
-              <a:t>1/23/21</a:t>
+              <a:t>1/28/21</a:t>
             </a:fld>
             <a:endParaRPr lang="en-US"/>
           </a:p>
@@ -4256,7 +4256,7 @@
           <a:p>
             <a:fld id="{7DB6E382-4F61-4E24-BE1A-377EC83D0E3A}" type="datetime1">
               <a:rPr lang="en-US" smtClean="0"/>
-              <a:t>1/23/21</a:t>
+              <a:t>1/28/21</a:t>
             </a:fld>
             <a:endParaRPr lang="en-US"/>
           </a:p>
@@ -5241,7 +5241,7 @@
           <a:p>
             <a:fld id="{6700A58B-DD98-43D0-B791-721480A02982}" type="datetime1">
               <a:rPr lang="en-US" smtClean="0"/>
-              <a:t>1/23/21</a:t>
+              <a:t>1/28/21</a:t>
             </a:fld>
             <a:endParaRPr lang="en-US"/>
           </a:p>
@@ -5530,7 +5530,7 @@
           <a:p>
             <a:fld id="{6700A58B-DD98-43D0-B791-721480A02982}" type="datetime1">
               <a:rPr lang="en-US" smtClean="0"/>
-              <a:t>1/23/21</a:t>
+              <a:t>1/28/21</a:t>
             </a:fld>
             <a:endParaRPr lang="en-US"/>
           </a:p>
@@ -5705,7 +5705,7 @@
           <p:nvPr>
             <p:extLst>
               <p:ext uri="{D42A27DB-BD31-4B8C-83A1-F6EECF244321}">
-                <p14:modId xmlns:p14="http://schemas.microsoft.com/office/powerpoint/2010/main" val="1852612678"/>
+                <p14:modId xmlns:p14="http://schemas.microsoft.com/office/powerpoint/2010/main" val="1731125990"/>
               </p:ext>
             </p:extLst>
           </p:nvPr>
@@ -6091,6 +6091,9 @@
                           <a:solidFill>
                             <a:srgbClr val="FF0000"/>
                           </a:solidFill>
+                          <a:highlight>
+                            <a:srgbClr val="FFFF00"/>
+                          </a:highlight>
                           <a:latin typeface="+mn-lt"/>
                           <a:ea typeface="+mn-ea"/>
                           <a:cs typeface="+mn-cs"/>
@@ -6112,6 +6115,9 @@
                           <a:solidFill>
                             <a:srgbClr val="FF0000"/>
                           </a:solidFill>
+                          <a:highlight>
+                            <a:srgbClr val="FFFF00"/>
+                          </a:highlight>
                           <a:latin typeface="+mn-lt"/>
                           <a:ea typeface="+mn-ea"/>
                           <a:cs typeface="+mn-cs"/>
@@ -6133,6 +6139,9 @@
                           <a:solidFill>
                             <a:srgbClr val="FF0000"/>
                           </a:solidFill>
+                          <a:highlight>
+                            <a:srgbClr val="FFFF00"/>
+                          </a:highlight>
                           <a:latin typeface="+mn-lt"/>
                           <a:ea typeface="+mn-ea"/>
                           <a:cs typeface="+mn-cs"/>
@@ -6365,6 +6374,43 @@
           </a:p>
         </p:txBody>
       </p:sp>
+      <p:sp>
+        <p:nvSpPr>
+          <p:cNvPr id="7" name="TextBox 6">
+            <a:extLst>
+              <a:ext uri="{FF2B5EF4-FFF2-40B4-BE49-F238E27FC236}">
+                <a16:creationId xmlns:a16="http://schemas.microsoft.com/office/drawing/2014/main" id="{7B3349BF-F119-4F45-908D-D51D5A71A537}"/>
+              </a:ext>
+            </a:extLst>
+          </p:cNvPr>
+          <p:cNvSpPr txBox="1"/>
+          <p:nvPr/>
+        </p:nvSpPr>
+        <p:spPr>
+          <a:xfrm rot="1707794">
+            <a:off x="5791744" y="4142302"/>
+            <a:ext cx="3263957" cy="646331"/>
+          </a:xfrm>
+          <a:prstGeom prst="rect">
+            <a:avLst/>
+          </a:prstGeom>
+          <a:solidFill>
+            <a:srgbClr val="FFFF00"/>
+          </a:solidFill>
+        </p:spPr>
+        <p:txBody>
+          <a:bodyPr wrap="square" rtlCol="0">
+            <a:spAutoFit/>
+          </a:bodyPr>
+          <a:lstStyle/>
+          <a:p>
+            <a:r>
+              <a:rPr lang="en-US" dirty="0"/>
+              <a:t>Maybe adjusting to something more relevant.</a:t>
+            </a:r>
+          </a:p>
+        </p:txBody>
+      </p:sp>
     </p:spTree>
     <p:extLst>
       <p:ext uri="{BB962C8B-B14F-4D97-AF65-F5344CB8AC3E}">
@@ -6412,7 +6458,7 @@
           <a:p>
             <a:fld id="{6700A58B-DD98-43D0-B791-721480A02982}" type="datetime1">
               <a:rPr lang="en-US" smtClean="0"/>
-              <a:t>1/23/21</a:t>
+              <a:t>1/28/21</a:t>
             </a:fld>
             <a:endParaRPr lang="en-US"/>
           </a:p>
@@ -6885,7 +6931,7 @@
           <a:p>
             <a:fld id="{6700A58B-DD98-43D0-B791-721480A02982}" type="datetime1">
               <a:rPr lang="en-US" smtClean="0"/>
-              <a:t>1/23/21</a:t>
+              <a:t>1/28/21</a:t>
             </a:fld>
             <a:endParaRPr lang="en-US" dirty="0"/>
           </a:p>
@@ -7479,7 +7525,7 @@
           <a:p>
             <a:fld id="{6700A58B-DD98-43D0-B791-721480A02982}" type="datetime1">
               <a:rPr lang="en-US" smtClean="0"/>
-              <a:t>1/23/21</a:t>
+              <a:t>1/28/21</a:t>
             </a:fld>
             <a:endParaRPr lang="en-US"/>
           </a:p>
